--- a/Week2/Week 2 Servlets.pptx
+++ b/Week2/Week 2 Servlets.pptx
@@ -10,6 +10,7 @@
     <p:sldId id="258" r:id="rId4"/>
     <p:sldId id="259" r:id="rId5"/>
     <p:sldId id="260" r:id="rId6"/>
+    <p:sldId id="261" r:id="rId7"/>
   </p:sldIdLst>
   <p:sldSz cx="12192000" cy="6858000"/>
   <p:notesSz cx="6858000" cy="9144000"/>
@@ -263,7 +264,7 @@
           <a:p>
             <a:fld id="{6E09D7D5-E3B3-44E4-9390-AFB54E4EECF5}" type="datetimeFigureOut">
               <a:rPr lang="en-US" smtClean="0"/>
-              <a:t>11/18/2020</a:t>
+              <a:t>11/20/2020</a:t>
             </a:fld>
             <a:endParaRPr lang="en-US"/>
           </a:p>
@@ -461,7 +462,7 @@
           <a:p>
             <a:fld id="{6E09D7D5-E3B3-44E4-9390-AFB54E4EECF5}" type="datetimeFigureOut">
               <a:rPr lang="en-US" smtClean="0"/>
-              <a:t>11/18/2020</a:t>
+              <a:t>11/20/2020</a:t>
             </a:fld>
             <a:endParaRPr lang="en-US"/>
           </a:p>
@@ -669,7 +670,7 @@
           <a:p>
             <a:fld id="{6E09D7D5-E3B3-44E4-9390-AFB54E4EECF5}" type="datetimeFigureOut">
               <a:rPr lang="en-US" smtClean="0"/>
-              <a:t>11/18/2020</a:t>
+              <a:t>11/20/2020</a:t>
             </a:fld>
             <a:endParaRPr lang="en-US"/>
           </a:p>
@@ -867,7 +868,7 @@
           <a:p>
             <a:fld id="{6E09D7D5-E3B3-44E4-9390-AFB54E4EECF5}" type="datetimeFigureOut">
               <a:rPr lang="en-US" smtClean="0"/>
-              <a:t>11/18/2020</a:t>
+              <a:t>11/20/2020</a:t>
             </a:fld>
             <a:endParaRPr lang="en-US"/>
           </a:p>
@@ -1142,7 +1143,7 @@
           <a:p>
             <a:fld id="{6E09D7D5-E3B3-44E4-9390-AFB54E4EECF5}" type="datetimeFigureOut">
               <a:rPr lang="en-US" smtClean="0"/>
-              <a:t>11/18/2020</a:t>
+              <a:t>11/20/2020</a:t>
             </a:fld>
             <a:endParaRPr lang="en-US"/>
           </a:p>
@@ -1407,7 +1408,7 @@
           <a:p>
             <a:fld id="{6E09D7D5-E3B3-44E4-9390-AFB54E4EECF5}" type="datetimeFigureOut">
               <a:rPr lang="en-US" smtClean="0"/>
-              <a:t>11/18/2020</a:t>
+              <a:t>11/20/2020</a:t>
             </a:fld>
             <a:endParaRPr lang="en-US"/>
           </a:p>
@@ -1819,7 +1820,7 @@
           <a:p>
             <a:fld id="{6E09D7D5-E3B3-44E4-9390-AFB54E4EECF5}" type="datetimeFigureOut">
               <a:rPr lang="en-US" smtClean="0"/>
-              <a:t>11/18/2020</a:t>
+              <a:t>11/20/2020</a:t>
             </a:fld>
             <a:endParaRPr lang="en-US"/>
           </a:p>
@@ -1960,7 +1961,7 @@
           <a:p>
             <a:fld id="{6E09D7D5-E3B3-44E4-9390-AFB54E4EECF5}" type="datetimeFigureOut">
               <a:rPr lang="en-US" smtClean="0"/>
-              <a:t>11/18/2020</a:t>
+              <a:t>11/20/2020</a:t>
             </a:fld>
             <a:endParaRPr lang="en-US"/>
           </a:p>
@@ -2073,7 +2074,7 @@
           <a:p>
             <a:fld id="{6E09D7D5-E3B3-44E4-9390-AFB54E4EECF5}" type="datetimeFigureOut">
               <a:rPr lang="en-US" smtClean="0"/>
-              <a:t>11/18/2020</a:t>
+              <a:t>11/20/2020</a:t>
             </a:fld>
             <a:endParaRPr lang="en-US"/>
           </a:p>
@@ -2384,7 +2385,7 @@
           <a:p>
             <a:fld id="{6E09D7D5-E3B3-44E4-9390-AFB54E4EECF5}" type="datetimeFigureOut">
               <a:rPr lang="en-US" smtClean="0"/>
-              <a:t>11/18/2020</a:t>
+              <a:t>11/20/2020</a:t>
             </a:fld>
             <a:endParaRPr lang="en-US"/>
           </a:p>
@@ -2672,7 +2673,7 @@
           <a:p>
             <a:fld id="{6E09D7D5-E3B3-44E4-9390-AFB54E4EECF5}" type="datetimeFigureOut">
               <a:rPr lang="en-US" smtClean="0"/>
-              <a:t>11/18/2020</a:t>
+              <a:t>11/20/2020</a:t>
             </a:fld>
             <a:endParaRPr lang="en-US"/>
           </a:p>
@@ -2913,7 +2914,7 @@
           <a:p>
             <a:fld id="{6E09D7D5-E3B3-44E4-9390-AFB54E4EECF5}" type="datetimeFigureOut">
               <a:rPr lang="en-US" smtClean="0"/>
-              <a:t>11/18/2020</a:t>
+              <a:t>11/20/2020</a:t>
             </a:fld>
             <a:endParaRPr lang="en-US"/>
           </a:p>
@@ -4517,6 +4518,458 @@
 </p:sld>
 </file>
 
+<file path=ppt/slides/slide6.xml><?xml version="1.0" encoding="utf-8"?>
+<p:sld xmlns:a="http://schemas.openxmlformats.org/drawingml/2006/main" xmlns:r="http://schemas.openxmlformats.org/officeDocument/2006/relationships" xmlns:p="http://schemas.openxmlformats.org/presentationml/2006/main">
+  <p:cSld>
+    <p:spTree>
+      <p:nvGrpSpPr>
+        <p:cNvPr id="1" name=""/>
+        <p:cNvGrpSpPr/>
+        <p:nvPr/>
+      </p:nvGrpSpPr>
+      <p:grpSpPr>
+        <a:xfrm>
+          <a:off x="0" y="0"/>
+          <a:ext cx="0" cy="0"/>
+          <a:chOff x="0" y="0"/>
+          <a:chExt cx="0" cy="0"/>
+        </a:xfrm>
+      </p:grpSpPr>
+      <p:sp>
+        <p:nvSpPr>
+          <p:cNvPr id="4" name="Oval 3">
+            <a:extLst>
+              <a:ext uri="{FF2B5EF4-FFF2-40B4-BE49-F238E27FC236}">
+                <a16:creationId xmlns:a16="http://schemas.microsoft.com/office/drawing/2014/main" id="{08FBE360-2EB9-496D-8412-F8490190BB43}"/>
+              </a:ext>
+            </a:extLst>
+          </p:cNvPr>
+          <p:cNvSpPr/>
+          <p:nvPr/>
+        </p:nvSpPr>
+        <p:spPr>
+          <a:xfrm>
+            <a:off x="455074" y="2766534"/>
+            <a:ext cx="3114675" cy="2987675"/>
+          </a:xfrm>
+          <a:prstGeom prst="ellipse">
+            <a:avLst/>
+          </a:prstGeom>
+        </p:spPr>
+        <p:style>
+          <a:lnRef idx="2">
+            <a:schemeClr val="accent1">
+              <a:shade val="50000"/>
+            </a:schemeClr>
+          </a:lnRef>
+          <a:fillRef idx="1">
+            <a:schemeClr val="accent1"/>
+          </a:fillRef>
+          <a:effectRef idx="0">
+            <a:schemeClr val="accent1"/>
+          </a:effectRef>
+          <a:fontRef idx="minor">
+            <a:schemeClr val="lt1"/>
+          </a:fontRef>
+        </p:style>
+        <p:txBody>
+          <a:bodyPr rtlCol="0" anchor="ctr"/>
+          <a:lstStyle/>
+          <a:p>
+            <a:pPr algn="ctr"/>
+            <a:r>
+              <a:rPr lang="en-US" dirty="0"/>
+              <a:t>Servlet</a:t>
+            </a:r>
+          </a:p>
+        </p:txBody>
+      </p:sp>
+      <p:sp>
+        <p:nvSpPr>
+          <p:cNvPr id="5" name="Oval 4">
+            <a:extLst>
+              <a:ext uri="{FF2B5EF4-FFF2-40B4-BE49-F238E27FC236}">
+                <a16:creationId xmlns:a16="http://schemas.microsoft.com/office/drawing/2014/main" id="{F1EDBC90-C9FC-4F98-B7A1-ABD391C5A102}"/>
+              </a:ext>
+            </a:extLst>
+          </p:cNvPr>
+          <p:cNvSpPr/>
+          <p:nvPr/>
+        </p:nvSpPr>
+        <p:spPr>
+          <a:xfrm>
+            <a:off x="4979003" y="2713267"/>
+            <a:ext cx="3114675" cy="2987675"/>
+          </a:xfrm>
+          <a:prstGeom prst="ellipse">
+            <a:avLst/>
+          </a:prstGeom>
+        </p:spPr>
+        <p:style>
+          <a:lnRef idx="2">
+            <a:schemeClr val="accent3">
+              <a:shade val="50000"/>
+            </a:schemeClr>
+          </a:lnRef>
+          <a:fillRef idx="1">
+            <a:schemeClr val="accent3"/>
+          </a:fillRef>
+          <a:effectRef idx="0">
+            <a:schemeClr val="accent3"/>
+          </a:effectRef>
+          <a:fontRef idx="minor">
+            <a:schemeClr val="lt1"/>
+          </a:fontRef>
+        </p:style>
+        <p:txBody>
+          <a:bodyPr rtlCol="0" anchor="ctr"/>
+          <a:lstStyle/>
+          <a:p>
+            <a:pPr algn="ctr"/>
+            <a:r>
+              <a:rPr lang="en-US" dirty="0"/>
+              <a:t>Service</a:t>
+            </a:r>
+          </a:p>
+        </p:txBody>
+      </p:sp>
+      <p:sp>
+        <p:nvSpPr>
+          <p:cNvPr id="6" name="Arrow: Right 5">
+            <a:extLst>
+              <a:ext uri="{FF2B5EF4-FFF2-40B4-BE49-F238E27FC236}">
+                <a16:creationId xmlns:a16="http://schemas.microsoft.com/office/drawing/2014/main" id="{47121C9C-50CA-4701-822F-3FE985D196D5}"/>
+              </a:ext>
+            </a:extLst>
+          </p:cNvPr>
+          <p:cNvSpPr/>
+          <p:nvPr/>
+        </p:nvSpPr>
+        <p:spPr>
+          <a:xfrm>
+            <a:off x="8451542" y="4001294"/>
+            <a:ext cx="612559" cy="739382"/>
+          </a:xfrm>
+          <a:prstGeom prst="rightArrow">
+            <a:avLst/>
+          </a:prstGeom>
+        </p:spPr>
+        <p:style>
+          <a:lnRef idx="2">
+            <a:schemeClr val="accent1">
+              <a:shade val="50000"/>
+            </a:schemeClr>
+          </a:lnRef>
+          <a:fillRef idx="1">
+            <a:schemeClr val="accent1"/>
+          </a:fillRef>
+          <a:effectRef idx="0">
+            <a:schemeClr val="accent1"/>
+          </a:effectRef>
+          <a:fontRef idx="minor">
+            <a:schemeClr val="lt1"/>
+          </a:fontRef>
+        </p:style>
+        <p:txBody>
+          <a:bodyPr rtlCol="0" anchor="ctr"/>
+          <a:lstStyle/>
+          <a:p>
+            <a:pPr algn="ctr"/>
+            <a:endParaRPr lang="en-US"/>
+          </a:p>
+        </p:txBody>
+      </p:sp>
+      <p:sp>
+        <p:nvSpPr>
+          <p:cNvPr id="7" name="Arrow: Right 6">
+            <a:extLst>
+              <a:ext uri="{FF2B5EF4-FFF2-40B4-BE49-F238E27FC236}">
+                <a16:creationId xmlns:a16="http://schemas.microsoft.com/office/drawing/2014/main" id="{C27EA210-9C1E-464A-B0CB-C03ADEE2BC71}"/>
+              </a:ext>
+            </a:extLst>
+          </p:cNvPr>
+          <p:cNvSpPr/>
+          <p:nvPr/>
+        </p:nvSpPr>
+        <p:spPr>
+          <a:xfrm>
+            <a:off x="3952088" y="3890680"/>
+            <a:ext cx="612559" cy="739382"/>
+          </a:xfrm>
+          <a:prstGeom prst="rightArrow">
+            <a:avLst/>
+          </a:prstGeom>
+        </p:spPr>
+        <p:style>
+          <a:lnRef idx="2">
+            <a:schemeClr val="accent1">
+              <a:shade val="50000"/>
+            </a:schemeClr>
+          </a:lnRef>
+          <a:fillRef idx="1">
+            <a:schemeClr val="accent1"/>
+          </a:fillRef>
+          <a:effectRef idx="0">
+            <a:schemeClr val="accent1"/>
+          </a:effectRef>
+          <a:fontRef idx="minor">
+            <a:schemeClr val="lt1"/>
+          </a:fontRef>
+        </p:style>
+        <p:txBody>
+          <a:bodyPr rtlCol="0" anchor="ctr"/>
+          <a:lstStyle/>
+          <a:p>
+            <a:pPr algn="ctr"/>
+            <a:endParaRPr lang="en-US"/>
+          </a:p>
+        </p:txBody>
+      </p:sp>
+      <p:sp>
+        <p:nvSpPr>
+          <p:cNvPr id="8" name="Oval 7">
+            <a:extLst>
+              <a:ext uri="{FF2B5EF4-FFF2-40B4-BE49-F238E27FC236}">
+                <a16:creationId xmlns:a16="http://schemas.microsoft.com/office/drawing/2014/main" id="{91285C4A-F37C-467B-A9AB-320A4495A649}"/>
+              </a:ext>
+            </a:extLst>
+          </p:cNvPr>
+          <p:cNvSpPr/>
+          <p:nvPr/>
+        </p:nvSpPr>
+        <p:spPr>
+          <a:xfrm>
+            <a:off x="9210490" y="2766533"/>
+            <a:ext cx="3114675" cy="2987675"/>
+          </a:xfrm>
+          <a:prstGeom prst="ellipse">
+            <a:avLst/>
+          </a:prstGeom>
+        </p:spPr>
+        <p:style>
+          <a:lnRef idx="2">
+            <a:schemeClr val="accent4">
+              <a:shade val="50000"/>
+            </a:schemeClr>
+          </a:lnRef>
+          <a:fillRef idx="1">
+            <a:schemeClr val="accent4"/>
+          </a:fillRef>
+          <a:effectRef idx="0">
+            <a:schemeClr val="accent4"/>
+          </a:effectRef>
+          <a:fontRef idx="minor">
+            <a:schemeClr val="lt1"/>
+          </a:fontRef>
+        </p:style>
+        <p:txBody>
+          <a:bodyPr rtlCol="0" anchor="ctr"/>
+          <a:lstStyle/>
+          <a:p>
+            <a:pPr algn="ctr"/>
+            <a:r>
+              <a:rPr lang="en-US" dirty="0"/>
+              <a:t>DAO/Repository</a:t>
+            </a:r>
+          </a:p>
+        </p:txBody>
+      </p:sp>
+      <p:sp>
+        <p:nvSpPr>
+          <p:cNvPr id="9" name="Arrow: Right 8">
+            <a:extLst>
+              <a:ext uri="{FF2B5EF4-FFF2-40B4-BE49-F238E27FC236}">
+                <a16:creationId xmlns:a16="http://schemas.microsoft.com/office/drawing/2014/main" id="{E2ABD3ED-802F-412B-BAB0-346763E8058D}"/>
+              </a:ext>
+            </a:extLst>
+          </p:cNvPr>
+          <p:cNvSpPr/>
+          <p:nvPr/>
+        </p:nvSpPr>
+        <p:spPr>
+          <a:xfrm rot="2894830">
+            <a:off x="-229203" y="1549714"/>
+            <a:ext cx="1901948" cy="1577623"/>
+          </a:xfrm>
+          <a:prstGeom prst="rightArrow">
+            <a:avLst/>
+          </a:prstGeom>
+        </p:spPr>
+        <p:style>
+          <a:lnRef idx="2">
+            <a:schemeClr val="accent4">
+              <a:shade val="50000"/>
+            </a:schemeClr>
+          </a:lnRef>
+          <a:fillRef idx="1">
+            <a:schemeClr val="accent4"/>
+          </a:fillRef>
+          <a:effectRef idx="0">
+            <a:schemeClr val="accent4"/>
+          </a:effectRef>
+          <a:fontRef idx="minor">
+            <a:schemeClr val="lt1"/>
+          </a:fontRef>
+        </p:style>
+        <p:txBody>
+          <a:bodyPr rtlCol="0" anchor="ctr"/>
+          <a:lstStyle/>
+          <a:p>
+            <a:pPr algn="ctr"/>
+            <a:r>
+              <a:rPr lang="en-US" dirty="0"/>
+              <a:t>Request</a:t>
+            </a:r>
+          </a:p>
+        </p:txBody>
+      </p:sp>
+      <p:sp>
+        <p:nvSpPr>
+          <p:cNvPr id="10" name="Arrow: Right 9">
+            <a:extLst>
+              <a:ext uri="{FF2B5EF4-FFF2-40B4-BE49-F238E27FC236}">
+                <a16:creationId xmlns:a16="http://schemas.microsoft.com/office/drawing/2014/main" id="{5DB36EFD-A1BF-498D-A214-AF723F141633}"/>
+              </a:ext>
+            </a:extLst>
+          </p:cNvPr>
+          <p:cNvSpPr/>
+          <p:nvPr/>
+        </p:nvSpPr>
+        <p:spPr>
+          <a:xfrm rot="14861619">
+            <a:off x="9871910" y="1987618"/>
+            <a:ext cx="612559" cy="739382"/>
+          </a:xfrm>
+          <a:prstGeom prst="rightArrow">
+            <a:avLst/>
+          </a:prstGeom>
+        </p:spPr>
+        <p:style>
+          <a:lnRef idx="2">
+            <a:schemeClr val="accent1">
+              <a:shade val="50000"/>
+            </a:schemeClr>
+          </a:lnRef>
+          <a:fillRef idx="1">
+            <a:schemeClr val="accent1"/>
+          </a:fillRef>
+          <a:effectRef idx="0">
+            <a:schemeClr val="accent1"/>
+          </a:effectRef>
+          <a:fontRef idx="minor">
+            <a:schemeClr val="lt1"/>
+          </a:fontRef>
+        </p:style>
+        <p:txBody>
+          <a:bodyPr rtlCol="0" anchor="ctr"/>
+          <a:lstStyle/>
+          <a:p>
+            <a:pPr algn="ctr"/>
+            <a:endParaRPr lang="en-US" dirty="0"/>
+          </a:p>
+        </p:txBody>
+      </p:sp>
+      <p:pic>
+        <p:nvPicPr>
+          <p:cNvPr id="11" name="Graphic 10" descr="Database">
+            <a:extLst>
+              <a:ext uri="{FF2B5EF4-FFF2-40B4-BE49-F238E27FC236}">
+                <a16:creationId xmlns:a16="http://schemas.microsoft.com/office/drawing/2014/main" id="{A02898D0-F63B-4192-804B-9EE4A230C548}"/>
+              </a:ext>
+            </a:extLst>
+          </p:cNvPr>
+          <p:cNvPicPr>
+            <a:picLocks noChangeAspect="1"/>
+          </p:cNvPicPr>
+          <p:nvPr/>
+        </p:nvPicPr>
+        <p:blipFill>
+          <a:blip r:embed="rId2">
+            <a:extLst>
+              <a:ext uri="{28A0092B-C50C-407E-A947-70E740481C1C}">
+                <a14:useLocalDpi xmlns:a14="http://schemas.microsoft.com/office/drawing/2010/main" val="0"/>
+              </a:ext>
+              <a:ext uri="{96DAC541-7B7A-43D3-8B79-37D633B846F1}">
+                <asvg:svgBlip xmlns:asvg="http://schemas.microsoft.com/office/drawing/2016/SVG/main" r:embed="rId3"/>
+              </a:ext>
+            </a:extLst>
+          </a:blip>
+          <a:stretch>
+            <a:fillRect/>
+          </a:stretch>
+        </p:blipFill>
+        <p:spPr>
+          <a:xfrm>
+            <a:off x="8548595" y="-410489"/>
+            <a:ext cx="2556769" cy="2556769"/>
+          </a:xfrm>
+          <a:prstGeom prst="rect">
+            <a:avLst/>
+          </a:prstGeom>
+        </p:spPr>
+      </p:pic>
+      <p:sp>
+        <p:nvSpPr>
+          <p:cNvPr id="12" name="Oval 11">
+            <a:extLst>
+              <a:ext uri="{FF2B5EF4-FFF2-40B4-BE49-F238E27FC236}">
+                <a16:creationId xmlns:a16="http://schemas.microsoft.com/office/drawing/2014/main" id="{2222401C-AB30-4A02-AF0E-DA9FF0658E5C}"/>
+              </a:ext>
+            </a:extLst>
+          </p:cNvPr>
+          <p:cNvSpPr/>
+          <p:nvPr/>
+        </p:nvSpPr>
+        <p:spPr>
+          <a:xfrm>
+            <a:off x="3208384" y="244030"/>
+            <a:ext cx="1946583" cy="1902250"/>
+          </a:xfrm>
+          <a:prstGeom prst="ellipse">
+            <a:avLst/>
+          </a:prstGeom>
+        </p:spPr>
+        <p:style>
+          <a:lnRef idx="2">
+            <a:schemeClr val="accent2">
+              <a:shade val="50000"/>
+            </a:schemeClr>
+          </a:lnRef>
+          <a:fillRef idx="1">
+            <a:schemeClr val="accent2"/>
+          </a:fillRef>
+          <a:effectRef idx="0">
+            <a:schemeClr val="accent2"/>
+          </a:effectRef>
+          <a:fontRef idx="minor">
+            <a:schemeClr val="lt1"/>
+          </a:fontRef>
+        </p:style>
+        <p:txBody>
+          <a:bodyPr rtlCol="0" anchor="ctr"/>
+          <a:lstStyle/>
+          <a:p>
+            <a:pPr algn="ctr"/>
+            <a:r>
+              <a:rPr lang="en-US" dirty="0"/>
+              <a:t>Model</a:t>
+            </a:r>
+          </a:p>
+        </p:txBody>
+      </p:sp>
+    </p:spTree>
+    <p:extLst>
+      <p:ext uri="{BB962C8B-B14F-4D97-AF65-F5344CB8AC3E}">
+        <p14:creationId xmlns:p14="http://schemas.microsoft.com/office/powerpoint/2010/main" val="2318514321"/>
+      </p:ext>
+    </p:extLst>
+  </p:cSld>
+  <p:clrMapOvr>
+    <a:masterClrMapping/>
+  </p:clrMapOvr>
+</p:sld>
+</file>
+
 <file path=ppt/theme/theme1.xml><?xml version="1.0" encoding="utf-8"?>
 <a:theme xmlns:a="http://schemas.openxmlformats.org/drawingml/2006/main" name="Office Theme">
   <a:themeElements>
